--- a/01 R_Introduction_Data Structures/01a_Introduction_to_R.pptx
+++ b/01 R_Introduction_Data Structures/01a_Introduction_to_R.pptx
@@ -18,6 +18,7 @@
     <p:sldId id="445" r:id="rId12"/>
     <p:sldId id="389" r:id="rId13"/>
     <p:sldId id="444" r:id="rId14"/>
+    <p:sldId id="443" r:id="rId15"/>
   </p:sldIdLst>
   <p:sldSz cx="9144000" cy="6858000" type="screen4x3"/>
   <p:notesSz cx="6858000" cy="9144000"/>
@@ -7218,6 +7219,266 @@
 </p:sld>
 </file>
 
+<file path=ppt/slides/slide14.xml><?xml version="1.0" encoding="utf-8"?>
+<p:sld xmlns:a="http://schemas.openxmlformats.org/drawingml/2006/main" xmlns:r="http://schemas.openxmlformats.org/officeDocument/2006/relationships" xmlns:p="http://schemas.openxmlformats.org/presentationml/2006/main">
+  <p:cSld>
+    <p:spTree>
+      <p:nvGrpSpPr>
+        <p:cNvPr id="1" name=""/>
+        <p:cNvGrpSpPr/>
+        <p:nvPr/>
+      </p:nvGrpSpPr>
+      <p:grpSpPr>
+        <a:xfrm>
+          <a:off x="0" y="0"/>
+          <a:ext cx="0" cy="0"/>
+          <a:chOff x="0" y="0"/>
+          <a:chExt cx="0" cy="0"/>
+        </a:xfrm>
+      </p:grpSpPr>
+      <p:sp>
+        <p:nvSpPr>
+          <p:cNvPr id="2" name="Title 1"/>
+          <p:cNvSpPr>
+            <a:spLocks noGrp="1"/>
+          </p:cNvSpPr>
+          <p:nvPr>
+            <p:ph type="title"/>
+          </p:nvPr>
+        </p:nvSpPr>
+        <p:spPr>
+          <a:xfrm>
+            <a:off x="76200" y="152400"/>
+            <a:ext cx="9144000" cy="1143000"/>
+          </a:xfrm>
+        </p:spPr>
+        <p:txBody>
+          <a:bodyPr anchor="ctr">
+            <a:normAutofit/>
+          </a:bodyPr>
+          <a:lstStyle/>
+          <a:p>
+            <a:pPr algn="ctr"/>
+            <a:r>
+              <a:rPr lang="en-US" sz="3600" b="1" dirty="0">
+                <a:latin typeface="Arial Unicode MS" panose="020B0604020202020204" pitchFamily="34" charset="-128"/>
+                <a:ea typeface="Arial Unicode MS" panose="020B0604020202020204" pitchFamily="34" charset="-128"/>
+                <a:cs typeface="Arial Unicode MS" panose="020B0604020202020204" pitchFamily="34" charset="-128"/>
+              </a:rPr>
+              <a:t>R script associated with this presentation</a:t>
+            </a:r>
+          </a:p>
+        </p:txBody>
+      </p:sp>
+      <p:sp>
+        <p:nvSpPr>
+          <p:cNvPr id="7" name="Text Placeholder 2"/>
+          <p:cNvSpPr txBox="1">
+            <a:spLocks/>
+          </p:cNvSpPr>
+          <p:nvPr/>
+        </p:nvSpPr>
+        <p:spPr>
+          <a:xfrm>
+            <a:off x="990600" y="2133600"/>
+            <a:ext cx="8153400" cy="4114800"/>
+          </a:xfrm>
+          <a:prstGeom prst="rect">
+            <a:avLst/>
+          </a:prstGeom>
+        </p:spPr>
+        <p:txBody>
+          <a:bodyPr>
+            <a:noAutofit/>
+          </a:bodyPr>
+          <a:lstStyle>
+            <a:lvl1pPr marL="365760" indent="-283464" algn="l" eaLnBrk="1" latinLnBrk="0" hangingPunct="1">
+              <a:lnSpc>
+                <a:spcPct val="100000"/>
+              </a:lnSpc>
+              <a:spcBef>
+                <a:spcPts val="600"/>
+              </a:spcBef>
+              <a:buClr>
+                <a:schemeClr val="accent1"/>
+              </a:buClr>
+              <a:buSzPct val="80000"/>
+              <a:buFont typeface="Wingdings 2"/>
+              <a:buChar char=""/>
+              <a:defRPr kumimoji="0" sz="3000">
+                <a:latin typeface="+mn-lt"/>
+              </a:defRPr>
+            </a:lvl1pPr>
+            <a:lvl2pPr marL="640080" lvl="1" indent="-237744" algn="l" eaLnBrk="1" latinLnBrk="0" hangingPunct="1">
+              <a:lnSpc>
+                <a:spcPct val="100000"/>
+              </a:lnSpc>
+              <a:spcBef>
+                <a:spcPts val="550"/>
+              </a:spcBef>
+              <a:buClr>
+                <a:schemeClr val="accent1"/>
+              </a:buClr>
+              <a:buFont typeface="Verdana"/>
+              <a:buChar char="◦"/>
+              <a:defRPr kumimoji="0" sz="2600">
+                <a:latin typeface="+mn-lt"/>
+              </a:defRPr>
+            </a:lvl2pPr>
+            <a:lvl3pPr marL="886968" indent="-228600" algn="l" eaLnBrk="1" latinLnBrk="0" hangingPunct="1">
+              <a:lnSpc>
+                <a:spcPct val="100000"/>
+              </a:lnSpc>
+              <a:buClr>
+                <a:schemeClr val="accent2"/>
+              </a:buClr>
+              <a:buFont typeface="Wingdings 2"/>
+              <a:buChar char=""/>
+              <a:defRPr kumimoji="0" sz="2400">
+                <a:latin typeface="+mn-lt"/>
+              </a:defRPr>
+            </a:lvl3pPr>
+            <a:lvl4pPr marL="1097280" indent="-173736" algn="l" eaLnBrk="1" latinLnBrk="0" hangingPunct="1">
+              <a:lnSpc>
+                <a:spcPct val="100000"/>
+              </a:lnSpc>
+              <a:buClr>
+                <a:schemeClr val="accent3"/>
+              </a:buClr>
+              <a:buFont typeface="Wingdings 2"/>
+              <a:buChar char=""/>
+              <a:defRPr kumimoji="0" sz="2000">
+                <a:latin typeface="+mn-lt"/>
+              </a:defRPr>
+            </a:lvl4pPr>
+            <a:lvl5pPr marL="1298448" indent="-182880" algn="l" eaLnBrk="1" latinLnBrk="0" hangingPunct="1">
+              <a:lnSpc>
+                <a:spcPct val="100000"/>
+              </a:lnSpc>
+              <a:buClr>
+                <a:schemeClr val="accent4"/>
+              </a:buClr>
+              <a:buFont typeface="Wingdings 2"/>
+              <a:buChar char=""/>
+              <a:defRPr kumimoji="0" sz="2000">
+                <a:latin typeface="+mn-lt"/>
+              </a:defRPr>
+            </a:lvl5pPr>
+            <a:lvl6pPr marL="1508760" indent="-182880">
+              <a:lnSpc>
+                <a:spcPct val="100000"/>
+              </a:lnSpc>
+              <a:spcBef>
+                <a:spcPct val="20000"/>
+              </a:spcBef>
+              <a:buClr>
+                <a:schemeClr val="accent5"/>
+              </a:buClr>
+              <a:buFont typeface="Wingdings 2"/>
+              <a:buChar char=""/>
+              <a:defRPr kumimoji="0" sz="2000">
+                <a:latin typeface="+mn-lt"/>
+              </a:defRPr>
+            </a:lvl6pPr>
+            <a:lvl7pPr marL="1719072" indent="-182880">
+              <a:lnSpc>
+                <a:spcPct val="100000"/>
+              </a:lnSpc>
+              <a:spcBef>
+                <a:spcPct val="20000"/>
+              </a:spcBef>
+              <a:buClr>
+                <a:schemeClr val="accent6"/>
+              </a:buClr>
+              <a:buFont typeface="Wingdings 2"/>
+              <a:buChar char=""/>
+              <a:defRPr kumimoji="0" sz="2000">
+                <a:latin typeface="+mn-lt"/>
+              </a:defRPr>
+            </a:lvl7pPr>
+            <a:lvl8pPr marL="1920240" indent="-182880">
+              <a:lnSpc>
+                <a:spcPct val="100000"/>
+              </a:lnSpc>
+              <a:spcBef>
+                <a:spcPct val="20000"/>
+              </a:spcBef>
+              <a:buClr>
+                <a:schemeClr val="accent6"/>
+              </a:buClr>
+              <a:buFont typeface="Wingdings 2"/>
+              <a:buChar char=""/>
+              <a:defRPr kumimoji="0" sz="2000">
+                <a:latin typeface="+mn-lt"/>
+              </a:defRPr>
+            </a:lvl8pPr>
+            <a:lvl9pPr marL="2130552" indent="-182880">
+              <a:lnSpc>
+                <a:spcPct val="100000"/>
+              </a:lnSpc>
+              <a:spcBef>
+                <a:spcPct val="20000"/>
+              </a:spcBef>
+              <a:buClr>
+                <a:schemeClr val="accent6"/>
+              </a:buClr>
+              <a:buFont typeface="Wingdings 2"/>
+              <a:buChar char=""/>
+              <a:defRPr kumimoji="0" sz="2000">
+                <a:latin typeface="+mn-lt"/>
+              </a:defRPr>
+            </a:lvl9pPr>
+            <a:extLst/>
+          </a:lstStyle>
+          <a:p>
+            <a:r>
+              <a:rPr lang="en-US" sz="2400" dirty="0">
+                <a:latin typeface="Avenir Medium"/>
+                <a:cs typeface="Avenir Medium"/>
+                <a:hlinkClick r:id="rId2"/>
+              </a:rPr>
+              <a:t>https://github.com/marinfotache</a:t>
+            </a:r>
+            <a:r>
+              <a:rPr lang="en-US" sz="2400">
+                <a:latin typeface="Avenir Medium"/>
+                <a:cs typeface="Avenir Medium"/>
+                <a:hlinkClick r:id="rId2"/>
+              </a:rPr>
+              <a:t>/Data-Processing-Analysis-Science-with-R/blob/master/01%20R_Introduction_Data%20Structures/01a_R_Introduction.R</a:t>
+            </a:r>
+            <a:endParaRPr lang="en-US" sz="2400">
+              <a:latin typeface="Avenir Medium"/>
+              <a:cs typeface="Avenir Medium"/>
+            </a:endParaRPr>
+          </a:p>
+          <a:p>
+            <a:pPr marL="82296" indent="0">
+              <a:buNone/>
+            </a:pPr>
+            <a:endParaRPr lang="en-US" sz="2400" dirty="0">
+              <a:latin typeface="Avenir Medium"/>
+              <a:cs typeface="Avenir Medium"/>
+            </a:endParaRPr>
+          </a:p>
+        </p:txBody>
+      </p:sp>
+    </p:spTree>
+    <p:extLst>
+      <p:ext uri="{BB962C8B-B14F-4D97-AF65-F5344CB8AC3E}">
+        <p14:creationId xmlns:p14="http://schemas.microsoft.com/office/powerpoint/2010/main" val="4156996576"/>
+      </p:ext>
+    </p:extLst>
+  </p:cSld>
+  <p:clrMapOvr>
+    <a:masterClrMapping/>
+  </p:clrMapOvr>
+  <p:transition>
+    <p:random/>
+  </p:transition>
+</p:sld>
+</file>
+
 <file path=ppt/slides/slide2.xml><?xml version="1.0" encoding="utf-8"?>
 <p:sld xmlns:a="http://schemas.openxmlformats.org/drawingml/2006/main" xmlns:r="http://schemas.openxmlformats.org/officeDocument/2006/relationships" xmlns:p="http://schemas.openxmlformats.org/presentationml/2006/main">
   <p:cSld>

--- a/01 R_Introduction_Data Structures/01a_Introduction_to_R.pptx
+++ b/01 R_Introduction_Data Structures/01a_Introduction_to_R.pptx
@@ -5757,7 +5757,7 @@
         </p:spPr>
         <p:txBody>
           <a:bodyPr>
-            <a:normAutofit fontScale="77500" lnSpcReduction="20000"/>
+            <a:normAutofit fontScale="62500" lnSpcReduction="20000"/>
           </a:bodyPr>
           <a:lstStyle>
             <a:lvl1pPr marL="365760" indent="-283464" algn="l" eaLnBrk="1" latinLnBrk="0" hangingPunct="1">
@@ -5905,24 +5905,72 @@
               </a:lnSpc>
             </a:pPr>
             <a:r>
-              <a:rPr lang="en-US" dirty="0" err="1">
-                <a:latin typeface="Avenir Medium"/>
-                <a:cs typeface="Avenir Medium"/>
-              </a:rPr>
-              <a:t>Setting Your Working Directory and Editing R Code (Mac)</a:t>
-            </a:r>
-            <a:r>
-              <a:rPr lang="en-US" dirty="0">
-                <a:latin typeface="Avenir Medium"/>
-                <a:cs typeface="Avenir Medium"/>
-              </a:rPr>
-              <a:t> </a:t>
-            </a:r>
-            <a:r>
-              <a:rPr lang="en-US" dirty="0">
+              <a:rPr lang="en" dirty="0">
+                <a:latin typeface="Avenir Medium"/>
+                <a:cs typeface="Avenir Medium"/>
+              </a:rPr>
+              <a:t>Chester </a:t>
+            </a:r>
+            <a:r>
+              <a:rPr lang="en" dirty="0" err="1">
+                <a:latin typeface="Avenir Medium"/>
+                <a:cs typeface="Avenir Medium"/>
+              </a:rPr>
+              <a:t>Ismay</a:t>
+            </a:r>
+            <a:r>
+              <a:rPr lang="en" dirty="0">
+                <a:latin typeface="Avenir Medium"/>
+                <a:cs typeface="Avenir Medium"/>
+              </a:rPr>
+              <a:t> and Albert Y. Kim - An Introduction to Statistical and Data Sciences via R (2018) – Section 2 Getting Started with Data in R</a:t>
+            </a:r>
+          </a:p>
+          <a:p>
+            <a:pPr marL="82296" indent="0">
+              <a:lnSpc>
+                <a:spcPct val="120000"/>
+              </a:lnSpc>
+              <a:buNone/>
+            </a:pPr>
+            <a:r>
+              <a:rPr lang="ro-RO" dirty="0">
                 <a:latin typeface="Avenir Medium"/>
                 <a:cs typeface="Avenir Medium"/>
                 <a:hlinkClick r:id="rId2"/>
+              </a:rPr>
+              <a:t>https://moderndive.com/2-getting-started.html</a:t>
+            </a:r>
+            <a:endParaRPr lang="ro-RO" dirty="0">
+              <a:latin typeface="Avenir Medium"/>
+              <a:cs typeface="Avenir Medium"/>
+            </a:endParaRPr>
+          </a:p>
+          <a:p>
+            <a:pPr>
+              <a:lnSpc>
+                <a:spcPct val="120000"/>
+              </a:lnSpc>
+            </a:pPr>
+            <a:r>
+              <a:rPr lang="en-US">
+                <a:latin typeface="Avenir Medium"/>
+                <a:cs typeface="Avenir Medium"/>
+              </a:rPr>
+              <a:t>Setting </a:t>
+            </a:r>
+            <a:r>
+              <a:rPr lang="en-US" dirty="0">
+                <a:latin typeface="Avenir Medium"/>
+                <a:cs typeface="Avenir Medium"/>
+              </a:rPr>
+              <a:t>Your Working Directory and Editing R Code (Mac) </a:t>
+            </a:r>
+            <a:r>
+              <a:rPr lang="en-US" dirty="0">
+                <a:latin typeface="Avenir Medium"/>
+                <a:cs typeface="Avenir Medium"/>
+                <a:hlinkClick r:id="rId3"/>
               </a:rPr>
               <a:t>https://www.youtube.com/watch?v=8xT3hmJQskU&amp;index=2&amp;list=PLjTlxb-wKvXNSDfcKPFH2gzHGyjpeCZmJ</a:t>
             </a:r>
@@ -5956,7 +6004,7 @@
               <a:rPr lang="en-US" dirty="0">
                 <a:latin typeface="Avenir Medium"/>
                 <a:cs typeface="Avenir Medium"/>
-                <a:hlinkClick r:id="rId3"/>
+                <a:hlinkClick r:id="rId4"/>
               </a:rPr>
               <a:t>https://www.youtube.com/watch?v=XBcvH1BpIBo&amp;list=PLjTlxb-wKvXNSDfcKPFH2gzHGyjpeCZmJ&amp;index=3</a:t>
             </a:r>
@@ -5990,7 +6038,7 @@
               <a:rPr lang="en-US" dirty="0">
                 <a:latin typeface="Avenir Medium"/>
                 <a:cs typeface="Avenir Medium"/>
-                <a:hlinkClick r:id="rId4"/>
+                <a:hlinkClick r:id="rId5"/>
               </a:rPr>
               <a:t>https://www.youtube.com/watch?v=ZFaWxxzouCY&amp;index=4&amp;list=PLjTlxb-wKvXNSDfcKPFH2gzHGyjpeCZmJ</a:t>
             </a:r>
@@ -6024,19 +6072,11 @@
               <a:rPr lang="en-US" dirty="0">
                 <a:latin typeface="Avenir Medium"/>
                 <a:cs typeface="Avenir Medium"/>
-                <a:hlinkClick r:id="rId5"/>
-              </a:rPr>
-              <a:t>https://www.datacamp.com</a:t>
-            </a:r>
-            <a:r>
-              <a:rPr lang="en-US">
-                <a:latin typeface="Avenir Medium"/>
-                <a:cs typeface="Avenir Medium"/>
-                <a:hlinkClick r:id="rId5"/>
-              </a:rPr>
-              <a:t>/community/tutorials/r-packages-guide</a:t>
-            </a:r>
-            <a:endParaRPr lang="en-US">
+                <a:hlinkClick r:id="rId6"/>
+              </a:rPr>
+              <a:t>https://www.datacamp.com/community/tutorials/r-packages-guide</a:t>
+            </a:r>
+            <a:endParaRPr lang="en-US" dirty="0">
               <a:latin typeface="Avenir Medium"/>
               <a:cs typeface="Avenir Medium"/>
             </a:endParaRPr>
@@ -8669,7 +8709,7 @@
                 <a:ea typeface="Arial Unicode MS" panose="020B0604020202020204" pitchFamily="34" charset="-128"/>
                 <a:cs typeface="Arial Unicode MS" panose="020B0604020202020204" pitchFamily="34" charset="-128"/>
               </a:rPr>
-              <a:t>Main references/resources for R</a:t>
+              <a:t>References/resources on R</a:t>
             </a:r>
           </a:p>
         </p:txBody>
@@ -9016,13 +9056,18 @@
           <a:p>
             <a:pPr algn="ctr"/>
             <a:r>
-              <a:rPr lang="en-US" sz="3600" b="1" dirty="0">
+              <a:rPr lang="en-US" dirty="0">
                 <a:latin typeface="Arial Unicode MS" panose="020B0604020202020204" pitchFamily="34" charset="-128"/>
                 <a:ea typeface="Arial Unicode MS" panose="020B0604020202020204" pitchFamily="34" charset="-128"/>
                 <a:cs typeface="Arial Unicode MS" panose="020B0604020202020204" pitchFamily="34" charset="-128"/>
               </a:rPr>
-              <a:t>Main references/resources for R</a:t>
-            </a:r>
+              <a:t>References/resources on R (cont.)</a:t>
+            </a:r>
+            <a:endParaRPr lang="en-US" sz="3600" b="1" dirty="0">
+              <a:latin typeface="Arial Unicode MS" panose="020B0604020202020204" pitchFamily="34" charset="-128"/>
+              <a:ea typeface="Arial Unicode MS" panose="020B0604020202020204" pitchFamily="34" charset="-128"/>
+              <a:cs typeface="Arial Unicode MS" panose="020B0604020202020204" pitchFamily="34" charset="-128"/>
+            </a:endParaRPr>
           </a:p>
         </p:txBody>
       </p:sp>
@@ -9429,13 +9474,18 @@
           <a:p>
             <a:pPr algn="ctr"/>
             <a:r>
-              <a:rPr lang="en-US" sz="3600" b="1" dirty="0">
+              <a:rPr lang="en-US" dirty="0">
                 <a:latin typeface="Arial Unicode MS" panose="020B0604020202020204" pitchFamily="34" charset="-128"/>
                 <a:ea typeface="Arial Unicode MS" panose="020B0604020202020204" pitchFamily="34" charset="-128"/>
                 <a:cs typeface="Arial Unicode MS" panose="020B0604020202020204" pitchFamily="34" charset="-128"/>
               </a:rPr>
-              <a:t>Main references/resources for R (cont.)</a:t>
-            </a:r>
+              <a:t>References/resources on R (cont.)</a:t>
+            </a:r>
+            <a:endParaRPr lang="en-US" sz="3600" b="1" dirty="0">
+              <a:latin typeface="Arial Unicode MS" panose="020B0604020202020204" pitchFamily="34" charset="-128"/>
+              <a:ea typeface="Arial Unicode MS" panose="020B0604020202020204" pitchFamily="34" charset="-128"/>
+              <a:cs typeface="Arial Unicode MS" panose="020B0604020202020204" pitchFamily="34" charset="-128"/>
+            </a:endParaRPr>
           </a:p>
         </p:txBody>
       </p:sp>

--- a/01 R_Introduction_Data Structures/01a_Introduction_to_R.pptx
+++ b/01 R_Introduction_Data Structures/01a_Introduction_to_R.pptx
@@ -5124,7 +5124,7 @@
         </p:spPr>
         <p:txBody>
           <a:bodyPr>
-            <a:normAutofit fontScale="92500"/>
+            <a:normAutofit fontScale="92500" lnSpcReduction="20000"/>
           </a:bodyPr>
           <a:lstStyle>
             <a:lvl1pPr marL="365760" indent="-283464" algn="l" eaLnBrk="1" latinLnBrk="0" hangingPunct="1">
@@ -5267,18 +5267,11 @@
           </a:lstStyle>
           <a:p>
             <a:r>
-              <a:rPr lang="en-US" dirty="0" err="1">
-                <a:latin typeface="Avenir Medium"/>
-                <a:cs typeface="Avenir Medium"/>
-              </a:rPr>
-              <a:t>RStudio</a:t>
-            </a:r>
-            <a:r>
-              <a:rPr lang="en-US" dirty="0">
-                <a:latin typeface="Avenir Medium"/>
-                <a:cs typeface="Avenir Medium"/>
-              </a:rPr>
-              <a:t> Introduction</a:t>
+              <a:rPr lang="en-US" dirty="0">
+                <a:latin typeface="Avenir Medium"/>
+                <a:cs typeface="Avenir Medium"/>
+              </a:rPr>
+              <a:t>RStudio Overview - 1:30</a:t>
             </a:r>
           </a:p>
           <a:p>
@@ -5291,47 +5284,15 @@
                 <a:cs typeface="Avenir Medium"/>
                 <a:hlinkClick r:id="rId2"/>
               </a:rPr>
-              <a:t>http://</a:t>
-            </a:r>
-            <a:r>
-              <a:rPr lang="en-US" dirty="0" err="1">
+              <a:t>https://www.youtube.com/watch?time_continue=23&amp;v</a:t>
+            </a:r>
+            <a:r>
+              <a:rPr lang="en-US">
                 <a:latin typeface="Avenir Medium"/>
                 <a:cs typeface="Avenir Medium"/>
                 <a:hlinkClick r:id="rId2"/>
               </a:rPr>
-              <a:t>www.youtube.com</a:t>
-            </a:r>
-            <a:r>
-              <a:rPr lang="en-US" dirty="0">
-                <a:latin typeface="Avenir Medium"/>
-                <a:cs typeface="Avenir Medium"/>
-                <a:hlinkClick r:id="rId2"/>
-              </a:rPr>
-              <a:t>/</a:t>
-            </a:r>
-            <a:r>
-              <a:rPr lang="en-US" dirty="0" err="1">
-                <a:latin typeface="Avenir Medium"/>
-                <a:cs typeface="Avenir Medium"/>
-                <a:hlinkClick r:id="rId2"/>
-              </a:rPr>
-              <a:t>watch?v</a:t>
-            </a:r>
-            <a:r>
-              <a:rPr lang="en-US" dirty="0">
-                <a:latin typeface="Avenir Medium"/>
-                <a:cs typeface="Avenir Medium"/>
-                <a:hlinkClick r:id="rId2"/>
-              </a:rPr>
-              <a:t>=</a:t>
-            </a:r>
-            <a:r>
-              <a:rPr lang="en-US" dirty="0" err="1">
-                <a:latin typeface="Avenir Medium"/>
-                <a:cs typeface="Avenir Medium"/>
-                <a:hlinkClick r:id="rId2"/>
-              </a:rPr>
-              <a:t>jPk6-3prknk</a:t>
+              <a:t>=n3uue28FD0w</a:t>
             </a:r>
             <a:endParaRPr lang="en-US" dirty="0">
               <a:latin typeface="Avenir Medium"/>
@@ -5344,34 +5305,36 @@
                 <a:latin typeface="Avenir Medium"/>
                 <a:cs typeface="Avenir Medium"/>
               </a:rPr>
-              <a:t>Getting </a:t>
+              <a:t>RStudio Introduction</a:t>
+            </a:r>
+          </a:p>
+          <a:p>
+            <a:pPr marL="82296" indent="0">
+              <a:buNone/>
+            </a:pPr>
+            <a:r>
+              <a:rPr lang="en-US" dirty="0">
+                <a:latin typeface="Avenir Medium"/>
+                <a:cs typeface="Avenir Medium"/>
+                <a:hlinkClick r:id="rId3"/>
+              </a:rPr>
+              <a:t>http://</a:t>
             </a:r>
             <a:r>
               <a:rPr lang="en-US" dirty="0" err="1">
                 <a:latin typeface="Avenir Medium"/>
                 <a:cs typeface="Avenir Medium"/>
-              </a:rPr>
-              <a:t>staRted</a:t>
-            </a:r>
-            <a:r>
-              <a:rPr lang="en-US" dirty="0">
-                <a:latin typeface="Avenir Medium"/>
-                <a:cs typeface="Avenir Medium"/>
-              </a:rPr>
-              <a:t> with R: An accelerated primer</a:t>
-            </a:r>
-          </a:p>
-          <a:p>
-            <a:pPr marL="82296" indent="0">
-              <a:buNone/>
-            </a:pPr>
-            <a:r>
-              <a:rPr lang="en-US" dirty="0">
-                <a:latin typeface="Avenir Medium"/>
-                <a:cs typeface="Avenir Medium"/>
                 <a:hlinkClick r:id="rId3"/>
               </a:rPr>
-              <a:t>https://</a:t>
+              <a:t>www.youtube.com</a:t>
+            </a:r>
+            <a:r>
+              <a:rPr lang="en-US" dirty="0">
+                <a:latin typeface="Avenir Medium"/>
+                <a:cs typeface="Avenir Medium"/>
+                <a:hlinkClick r:id="rId3"/>
+              </a:rPr>
+              <a:t>/</a:t>
             </a:r>
             <a:r>
               <a:rPr lang="en-US" dirty="0" err="1">
@@ -5379,7 +5342,7 @@
                 <a:cs typeface="Avenir Medium"/>
                 <a:hlinkClick r:id="rId3"/>
               </a:rPr>
-              <a:t>www.youtube.com</a:t>
+              <a:t>watch?v</a:t>
             </a:r>
             <a:r>
               <a:rPr lang="en-US" dirty="0">
@@ -5387,7 +5350,7 @@
                 <a:cs typeface="Avenir Medium"/>
                 <a:hlinkClick r:id="rId3"/>
               </a:rPr>
-              <a:t>/</a:t>
+              <a:t>=</a:t>
             </a:r>
             <a:r>
               <a:rPr lang="en-US" dirty="0" err="1">
@@ -5395,23 +5358,7 @@
                 <a:cs typeface="Avenir Medium"/>
                 <a:hlinkClick r:id="rId3"/>
               </a:rPr>
-              <a:t>watch?v</a:t>
-            </a:r>
-            <a:r>
-              <a:rPr lang="en-US" dirty="0">
-                <a:latin typeface="Avenir Medium"/>
-                <a:cs typeface="Avenir Medium"/>
-                <a:hlinkClick r:id="rId3"/>
-              </a:rPr>
-              <a:t>=</a:t>
-            </a:r>
-            <a:r>
-              <a:rPr lang="en-US" dirty="0" err="1">
-                <a:latin typeface="Avenir Medium"/>
-                <a:cs typeface="Avenir Medium"/>
-                <a:hlinkClick r:id="rId3"/>
-              </a:rPr>
-              <a:t>4V23ZQQfwYk</a:t>
+              <a:t>jPk6-3prknk</a:t>
             </a:r>
             <a:endParaRPr lang="en-US" dirty="0">
               <a:latin typeface="Avenir Medium"/>
@@ -5419,6 +5366,29 @@
             </a:endParaRPr>
           </a:p>
           <a:p>
+            <a:r>
+              <a:rPr lang="en-US" dirty="0">
+                <a:latin typeface="Avenir Medium"/>
+                <a:cs typeface="Avenir Medium"/>
+              </a:rPr>
+              <a:t>Getting </a:t>
+            </a:r>
+            <a:r>
+              <a:rPr lang="en-US" dirty="0" err="1">
+                <a:latin typeface="Avenir Medium"/>
+                <a:cs typeface="Avenir Medium"/>
+              </a:rPr>
+              <a:t>staRted</a:t>
+            </a:r>
+            <a:r>
+              <a:rPr lang="en-US" dirty="0">
+                <a:latin typeface="Avenir Medium"/>
+                <a:cs typeface="Avenir Medium"/>
+              </a:rPr>
+              <a:t> with R: An accelerated primer</a:t>
+            </a:r>
+          </a:p>
+          <a:p>
             <a:pPr marL="82296" indent="0">
               <a:buNone/>
             </a:pPr>
@@ -5426,16 +5396,9 @@
               <a:rPr lang="en-US" dirty="0">
                 <a:latin typeface="Avenir Medium"/>
                 <a:cs typeface="Avenir Medium"/>
-              </a:rPr>
-              <a:t>slides: </a:t>
-            </a:r>
-            <a:r>
-              <a:rPr lang="en-US" dirty="0">
-                <a:latin typeface="Avenir Medium"/>
-                <a:cs typeface="Avenir Medium"/>
                 <a:hlinkClick r:id="rId4"/>
               </a:rPr>
-              <a:t>http://</a:t>
+              <a:t>https://</a:t>
             </a:r>
             <a:r>
               <a:rPr lang="en-US" dirty="0" err="1">
@@ -5443,7 +5406,7 @@
                 <a:cs typeface="Avenir Medium"/>
                 <a:hlinkClick r:id="rId4"/>
               </a:rPr>
-              <a:t>prezi.com</a:t>
+              <a:t>www.youtube.com</a:t>
             </a:r>
             <a:r>
               <a:rPr lang="en-US" dirty="0">
@@ -5459,7 +5422,7 @@
                 <a:cs typeface="Avenir Medium"/>
                 <a:hlinkClick r:id="rId4"/>
               </a:rPr>
-              <a:t>3xf8xqzvpuyz</a:t>
+              <a:t>watch?v</a:t>
             </a:r>
             <a:r>
               <a:rPr lang="en-US" dirty="0">
@@ -5467,7 +5430,15 @@
                 <a:cs typeface="Avenir Medium"/>
                 <a:hlinkClick r:id="rId4"/>
               </a:rPr>
-              <a:t>/getting-started-with-r-an-accelerated-primer/</a:t>
+              <a:t>=</a:t>
+            </a:r>
+            <a:r>
+              <a:rPr lang="en-US" dirty="0" err="1">
+                <a:latin typeface="Avenir Medium"/>
+                <a:cs typeface="Avenir Medium"/>
+                <a:hlinkClick r:id="rId4"/>
+              </a:rPr>
+              <a:t>4V23ZQQfwYk</a:t>
             </a:r>
             <a:endParaRPr lang="en-US" dirty="0">
               <a:latin typeface="Avenir Medium"/>
@@ -5475,6 +5446,62 @@
             </a:endParaRPr>
           </a:p>
           <a:p>
+            <a:pPr marL="82296" indent="0">
+              <a:buNone/>
+            </a:pPr>
+            <a:r>
+              <a:rPr lang="en-US" dirty="0">
+                <a:latin typeface="Avenir Medium"/>
+                <a:cs typeface="Avenir Medium"/>
+              </a:rPr>
+              <a:t>slides: </a:t>
+            </a:r>
+            <a:r>
+              <a:rPr lang="en-US" dirty="0">
+                <a:latin typeface="Avenir Medium"/>
+                <a:cs typeface="Avenir Medium"/>
+                <a:hlinkClick r:id="rId5"/>
+              </a:rPr>
+              <a:t>http://</a:t>
+            </a:r>
+            <a:r>
+              <a:rPr lang="en-US" dirty="0" err="1">
+                <a:latin typeface="Avenir Medium"/>
+                <a:cs typeface="Avenir Medium"/>
+                <a:hlinkClick r:id="rId5"/>
+              </a:rPr>
+              <a:t>prezi.com</a:t>
+            </a:r>
+            <a:r>
+              <a:rPr lang="en-US" dirty="0">
+                <a:latin typeface="Avenir Medium"/>
+                <a:cs typeface="Avenir Medium"/>
+                <a:hlinkClick r:id="rId5"/>
+              </a:rPr>
+              <a:t>/</a:t>
+            </a:r>
+            <a:r>
+              <a:rPr lang="en-US" dirty="0" err="1">
+                <a:latin typeface="Avenir Medium"/>
+                <a:cs typeface="Avenir Medium"/>
+                <a:hlinkClick r:id="rId5"/>
+              </a:rPr>
+              <a:t>3xf8xqzvpuyz</a:t>
+            </a:r>
+            <a:r>
+              <a:rPr lang="en-US" dirty="0">
+                <a:latin typeface="Avenir Medium"/>
+                <a:cs typeface="Avenir Medium"/>
+                <a:hlinkClick r:id="rId5"/>
+              </a:rPr>
+              <a:t>/getting-started-with-r-an-accelerated-primer/</a:t>
+            </a:r>
+            <a:endParaRPr lang="en-US" dirty="0">
+              <a:latin typeface="Avenir Medium"/>
+              <a:cs typeface="Avenir Medium"/>
+            </a:endParaRPr>
+          </a:p>
+          <a:p>
             <a:r>
               <a:rPr lang="en-US" dirty="0">
                 <a:latin typeface="Avenir Medium"/>
@@ -5505,7 +5532,7 @@
               <a:rPr lang="en-US" dirty="0">
                 <a:latin typeface="Avenir Medium"/>
                 <a:cs typeface="Avenir Medium"/>
-                <a:hlinkClick r:id="rId5"/>
+                <a:hlinkClick r:id="rId6"/>
               </a:rPr>
               <a:t>https://</a:t>
             </a:r>
@@ -5513,7 +5540,7 @@
               <a:rPr lang="en-US" dirty="0" err="1">
                 <a:latin typeface="Avenir Medium"/>
                 <a:cs typeface="Avenir Medium"/>
-                <a:hlinkClick r:id="rId5"/>
+                <a:hlinkClick r:id="rId6"/>
               </a:rPr>
               <a:t>www.youtube.com</a:t>
             </a:r>
@@ -5521,7 +5548,7 @@
               <a:rPr lang="en-US" dirty="0">
                 <a:latin typeface="Avenir Medium"/>
                 <a:cs typeface="Avenir Medium"/>
-                <a:hlinkClick r:id="rId5"/>
+                <a:hlinkClick r:id="rId6"/>
               </a:rPr>
               <a:t>/</a:t>
             </a:r>
@@ -5529,7 +5556,7 @@
               <a:rPr lang="en-US" dirty="0" err="1">
                 <a:latin typeface="Avenir Medium"/>
                 <a:cs typeface="Avenir Medium"/>
-                <a:hlinkClick r:id="rId5"/>
+                <a:hlinkClick r:id="rId6"/>
               </a:rPr>
               <a:t>watch?v</a:t>
             </a:r>
@@ -5537,7 +5564,7 @@
               <a:rPr lang="en-US" dirty="0">
                 <a:latin typeface="Avenir Medium"/>
                 <a:cs typeface="Avenir Medium"/>
-                <a:hlinkClick r:id="rId5"/>
+                <a:hlinkClick r:id="rId6"/>
               </a:rPr>
               <a:t>=</a:t>
             </a:r>
@@ -5545,7 +5572,7 @@
               <a:rPr lang="en-US" dirty="0" err="1">
                 <a:latin typeface="Avenir Medium"/>
                 <a:cs typeface="Avenir Medium"/>
-                <a:hlinkClick r:id="rId5"/>
+                <a:hlinkClick r:id="rId6"/>
               </a:rPr>
               <a:t>2A-Y802Yink</a:t>
             </a:r>
@@ -6324,7 +6351,7 @@
         </p:spPr>
         <p:txBody>
           <a:bodyPr>
-            <a:normAutofit fontScale="77500" lnSpcReduction="20000"/>
+            <a:normAutofit fontScale="62500" lnSpcReduction="20000"/>
           </a:bodyPr>
           <a:lstStyle>
             <a:lvl1pPr marL="365760" indent="-283464" algn="l" eaLnBrk="1" latinLnBrk="0" hangingPunct="1">
@@ -6468,75 +6495,50 @@
           <a:p>
             <a:pPr>
               <a:lnSpc>
-                <a:spcPct val="120000"/>
-              </a:lnSpc>
-            </a:pPr>
-            <a:r>
-              <a:rPr lang="en-US" dirty="0">
-                <a:latin typeface="Avenir Medium"/>
-                <a:cs typeface="Avenir Medium"/>
-              </a:rPr>
-              <a:t>W. N. </a:t>
+                <a:spcPct val="110000"/>
+              </a:lnSpc>
+            </a:pPr>
+            <a:r>
+              <a:rPr lang="en-US" dirty="0">
+                <a:latin typeface="Avenir Medium"/>
+                <a:cs typeface="Avenir Medium"/>
+              </a:rPr>
+              <a:t>R </a:t>
             </a:r>
             <a:r>
               <a:rPr lang="en-US" dirty="0" err="1">
                 <a:latin typeface="Avenir Medium"/>
                 <a:cs typeface="Avenir Medium"/>
               </a:rPr>
-              <a:t>Venables</a:t>
-            </a:r>
-            <a:r>
-              <a:rPr lang="en-US" dirty="0">
-                <a:latin typeface="Avenir Medium"/>
-                <a:cs typeface="Avenir Medium"/>
-              </a:rPr>
-              <a:t>, D. M. Smith and the R Core Team - </a:t>
-            </a:r>
-            <a:r>
-              <a:rPr lang="en-US" b="1" dirty="0">
-                <a:latin typeface="Avenir Medium"/>
-                <a:cs typeface="Avenir Medium"/>
-              </a:rPr>
-              <a:t>An Introduction to R. Notes on R:  A Programming Environment for Data Analysis and Graphics</a:t>
-            </a:r>
-            <a:r>
-              <a:rPr lang="en-US" dirty="0">
-                <a:latin typeface="Avenir Medium"/>
-                <a:cs typeface="Avenir Medium"/>
-              </a:rPr>
-              <a:t>, </a:t>
-            </a:r>
+              <a:t>Studion</a:t>
+            </a:r>
+            <a:r>
+              <a:rPr lang="en-US" dirty="0">
+                <a:latin typeface="Avenir Medium"/>
+                <a:cs typeface="Avenir Medium"/>
+              </a:rPr>
+              <a:t> Education (Beginners)</a:t>
+            </a:r>
+            <a:endParaRPr lang="en-US" dirty="0">
+              <a:latin typeface="Avenir Medium"/>
+              <a:cs typeface="Avenir Medium"/>
+              <a:hlinkClick r:id="rId2"/>
+            </a:endParaRPr>
+          </a:p>
+          <a:p>
+            <a:pPr marL="82296" indent="0">
+              <a:lnSpc>
+                <a:spcPct val="110000"/>
+              </a:lnSpc>
+              <a:buNone/>
+            </a:pPr>
             <a:r>
               <a:rPr lang="en-US" dirty="0">
                 <a:latin typeface="Avenir Medium"/>
                 <a:cs typeface="Avenir Medium"/>
                 <a:hlinkClick r:id="rId2"/>
               </a:rPr>
-              <a:t>http://</a:t>
-            </a:r>
-            <a:r>
-              <a:rPr lang="en-US" dirty="0" err="1">
-                <a:latin typeface="Avenir Medium"/>
-                <a:cs typeface="Avenir Medium"/>
-                <a:hlinkClick r:id="rId2"/>
-              </a:rPr>
-              <a:t>cran.r-project.org</a:t>
-            </a:r>
-            <a:r>
-              <a:rPr lang="en-US" dirty="0">
-                <a:latin typeface="Avenir Medium"/>
-                <a:cs typeface="Avenir Medium"/>
-                <a:hlinkClick r:id="rId2"/>
-              </a:rPr>
-              <a:t>/doc/manuals/r-release/R-</a:t>
-            </a:r>
-            <a:r>
-              <a:rPr lang="en-US" dirty="0" err="1">
-                <a:latin typeface="Avenir Medium"/>
-                <a:cs typeface="Avenir Medium"/>
-                <a:hlinkClick r:id="rId2"/>
-              </a:rPr>
-              <a:t>intro.pdf</a:t>
+              <a:t>https://education.rstudio.com/learn/beginner/</a:t>
             </a:r>
             <a:endParaRPr lang="en-US" dirty="0">
               <a:latin typeface="Avenir Medium"/>
@@ -6546,10 +6548,125 @@
           <a:p>
             <a:pPr>
               <a:lnSpc>
+                <a:spcPct val="110000"/>
+              </a:lnSpc>
+            </a:pPr>
+            <a:r>
+              <a:rPr lang="en-US" dirty="0" err="1">
+                <a:latin typeface="Avenir Medium"/>
+              </a:rPr>
+              <a:t>rOpenSci</a:t>
+            </a:r>
+            <a:r>
+              <a:rPr lang="en-US" dirty="0">
+                <a:latin typeface="Avenir Medium"/>
+              </a:rPr>
+              <a:t> Educators Collaborative: What Educational Resources Work Well and Why?</a:t>
+            </a:r>
+          </a:p>
+          <a:p>
+            <a:pPr marL="82296" indent="0">
+              <a:lnSpc>
+                <a:spcPct val="110000"/>
+              </a:lnSpc>
+              <a:buNone/>
+            </a:pPr>
+            <a:r>
+              <a:rPr lang="en-US" dirty="0">
+                <a:latin typeface="Avenir Medium"/>
+                <a:hlinkClick r:id="rId3"/>
+              </a:rPr>
+              <a:t>https://ropensci.org/blog/2018/07/25/educollab-resources/</a:t>
+            </a:r>
+            <a:endParaRPr lang="en-US" dirty="0">
+              <a:latin typeface="Avenir Medium"/>
+            </a:endParaRPr>
+          </a:p>
+          <a:p>
+            <a:pPr>
+              <a:lnSpc>
                 <a:spcPct val="120000"/>
               </a:lnSpc>
             </a:pPr>
             <a:r>
+              <a:rPr lang="en-US" dirty="0">
+                <a:latin typeface="Avenir Medium"/>
+                <a:cs typeface="Avenir Medium"/>
+              </a:rPr>
+              <a:t>W. N. </a:t>
+            </a:r>
+            <a:r>
+              <a:rPr lang="en-US" dirty="0" err="1">
+                <a:latin typeface="Avenir Medium"/>
+                <a:cs typeface="Avenir Medium"/>
+              </a:rPr>
+              <a:t>Venables</a:t>
+            </a:r>
+            <a:r>
+              <a:rPr lang="en-US" dirty="0">
+                <a:latin typeface="Avenir Medium"/>
+                <a:cs typeface="Avenir Medium"/>
+              </a:rPr>
+              <a:t>, D. M. Smith and the R Core Team - </a:t>
+            </a:r>
+            <a:r>
+              <a:rPr lang="en-US" b="1" dirty="0">
+                <a:latin typeface="Avenir Medium"/>
+                <a:cs typeface="Avenir Medium"/>
+              </a:rPr>
+              <a:t>An Introduction to R. Notes on R:  A Programming Environment for Data Analysis and Graphics</a:t>
+            </a:r>
+            <a:r>
+              <a:rPr lang="en-US" dirty="0">
+                <a:latin typeface="Avenir Medium"/>
+                <a:cs typeface="Avenir Medium"/>
+              </a:rPr>
+              <a:t>, </a:t>
+            </a:r>
+            <a:r>
+              <a:rPr lang="en-US" dirty="0">
+                <a:latin typeface="Avenir Medium"/>
+                <a:cs typeface="Avenir Medium"/>
+                <a:hlinkClick r:id="rId4"/>
+              </a:rPr>
+              <a:t>http://</a:t>
+            </a:r>
+            <a:r>
+              <a:rPr lang="en-US" dirty="0" err="1">
+                <a:latin typeface="Avenir Medium"/>
+                <a:cs typeface="Avenir Medium"/>
+                <a:hlinkClick r:id="rId4"/>
+              </a:rPr>
+              <a:t>cran.r-project.org</a:t>
+            </a:r>
+            <a:r>
+              <a:rPr lang="en-US" dirty="0">
+                <a:latin typeface="Avenir Medium"/>
+                <a:cs typeface="Avenir Medium"/>
+                <a:hlinkClick r:id="rId4"/>
+              </a:rPr>
+              <a:t>/doc/manuals/r-release/R-</a:t>
+            </a:r>
+            <a:r>
+              <a:rPr lang="en-US" dirty="0" err="1">
+                <a:latin typeface="Avenir Medium"/>
+                <a:cs typeface="Avenir Medium"/>
+                <a:hlinkClick r:id="rId4"/>
+              </a:rPr>
+              <a:t>intro.pdf</a:t>
+            </a:r>
+            <a:endParaRPr lang="en-US" dirty="0">
+              <a:latin typeface="Avenir Medium"/>
+              <a:cs typeface="Avenir Medium"/>
+            </a:endParaRPr>
+          </a:p>
+          <a:p>
+            <a:pPr>
+              <a:lnSpc>
+                <a:spcPct val="120000"/>
+              </a:lnSpc>
+            </a:pPr>
+            <a:r>
               <a:rPr lang="pt-BR" dirty="0">
                 <a:latin typeface="Avenir Medium"/>
                 <a:cs typeface="Avenir Medium"/>
@@ -6568,7 +6685,7 @@
               <a:rPr lang="pt-BR" dirty="0">
                 <a:latin typeface="Avenir Medium"/>
                 <a:cs typeface="Avenir Medium"/>
-                <a:hlinkClick r:id="rId3"/>
+                <a:hlinkClick r:id="rId5"/>
               </a:rPr>
               <a:t>http://www.ats.ucla.edu/stat/r/seminars/intro.htm</a:t>
             </a:r>
@@ -6603,7 +6720,7 @@
               <a:rPr lang="pt-BR" dirty="0">
                 <a:latin typeface="Avenir Medium"/>
                 <a:cs typeface="Avenir Medium"/>
-                <a:hlinkClick r:id="rId4"/>
+                <a:hlinkClick r:id="rId6"/>
               </a:rPr>
               <a:t>http://www.r-tutor.com/r-introduction</a:t>
             </a:r>
@@ -6637,7 +6754,7 @@
               <a:rPr lang="pt-BR" dirty="0">
                 <a:latin typeface="Avenir Medium"/>
                 <a:cs typeface="Avenir Medium"/>
-                <a:hlinkClick r:id="rId5"/>
+                <a:hlinkClick r:id="rId7"/>
               </a:rPr>
               <a:t>http://www.statmethods.net/</a:t>
             </a:r>
@@ -6671,7 +6788,7 @@
               <a:rPr lang="en-US" dirty="0">
                 <a:latin typeface="Avenir Medium"/>
                 <a:cs typeface="Avenir Medium"/>
-                <a:hlinkClick r:id="rId6"/>
+                <a:hlinkClick r:id="rId8"/>
               </a:rPr>
               <a:t>http://</a:t>
             </a:r>
@@ -6679,7 +6796,7 @@
               <a:rPr lang="en-US" dirty="0" err="1">
                 <a:latin typeface="Avenir Medium"/>
                 <a:cs typeface="Avenir Medium"/>
-                <a:hlinkClick r:id="rId6"/>
+                <a:hlinkClick r:id="rId8"/>
               </a:rPr>
               <a:t>www.courtneybrown.com</a:t>
             </a:r>
@@ -6687,7 +6804,7 @@
               <a:rPr lang="en-US" dirty="0">
                 <a:latin typeface="Avenir Medium"/>
                 <a:cs typeface="Avenir Medium"/>
-                <a:hlinkClick r:id="rId6"/>
+                <a:hlinkClick r:id="rId8"/>
               </a:rPr>
               <a:t>/classes/</a:t>
             </a:r>
@@ -6695,7 +6812,7 @@
               <a:rPr lang="en-US" dirty="0" err="1">
                 <a:latin typeface="Avenir Medium"/>
                 <a:cs typeface="Avenir Medium"/>
-                <a:hlinkClick r:id="rId6"/>
+                <a:hlinkClick r:id="rId8"/>
               </a:rPr>
               <a:t>video_classes_Courtney_Brown.html</a:t>
             </a:r>
@@ -8301,7 +8418,7 @@
         </p:spPr>
         <p:txBody>
           <a:bodyPr>
-            <a:normAutofit fontScale="70000" lnSpcReduction="20000"/>
+            <a:normAutofit fontScale="62500" lnSpcReduction="20000"/>
           </a:bodyPr>
           <a:lstStyle>
             <a:lvl1pPr marL="365760" indent="-283464" algn="l" eaLnBrk="1" latinLnBrk="0" hangingPunct="1">
@@ -8491,18 +8608,25 @@
               </a:lnSpc>
             </a:pPr>
             <a:r>
+              <a:rPr lang="en-US" dirty="0">
+                <a:latin typeface="Avenir Medium"/>
+                <a:cs typeface="Avenir Medium"/>
+              </a:rPr>
+              <a:t>IDEs like RStudio have hugely improved the </a:t>
+            </a:r>
+            <a:r>
               <a:rPr lang="en-US" dirty="0" err="1">
                 <a:latin typeface="Avenir Medium"/>
                 <a:cs typeface="Avenir Medium"/>
               </a:rPr>
-              <a:t>IDEs</a:t>
-            </a:r>
-            <a:r>
-              <a:rPr lang="en-US" dirty="0">
-                <a:latin typeface="Avenir Medium"/>
-                <a:cs typeface="Avenir Medium"/>
-              </a:rPr>
-              <a:t> like RStudio have hugely improved the GUI </a:t>
+              <a:t>productivicy</a:t>
+            </a:r>
+            <a:r>
+              <a:rPr lang="en-US" dirty="0">
+                <a:latin typeface="Avenir Medium"/>
+                <a:cs typeface="Avenir Medium"/>
+              </a:rPr>
+              <a:t> and R acceptance </a:t>
             </a:r>
           </a:p>
           <a:p>
@@ -8733,7 +8857,7 @@
         </p:spPr>
         <p:txBody>
           <a:bodyPr>
-            <a:normAutofit fontScale="92500" lnSpcReduction="10000"/>
+            <a:normAutofit fontScale="92500"/>
           </a:bodyPr>
           <a:lstStyle>
             <a:lvl1pPr marL="365760" indent="-283464" algn="l" eaLnBrk="1" latinLnBrk="0" hangingPunct="1">
@@ -8885,8 +9009,27 @@
                 <a:latin typeface="Avenir Medium"/>
                 <a:cs typeface="Avenir Medium"/>
               </a:rPr>
-              <a:t>R resources (free courses, books, tutorials, &amp; cheat sheets)</a:t>
-            </a:r>
+              <a:t>R </a:t>
+            </a:r>
+            <a:r>
+              <a:rPr lang="en-US" dirty="0" err="1">
+                <a:latin typeface="Avenir Medium"/>
+                <a:cs typeface="Avenir Medium"/>
+              </a:rPr>
+              <a:t>Studion</a:t>
+            </a:r>
+            <a:r>
+              <a:rPr lang="en-US" dirty="0">
+                <a:latin typeface="Avenir Medium"/>
+                <a:cs typeface="Avenir Medium"/>
+              </a:rPr>
+              <a:t> Education (Beginners)</a:t>
+            </a:r>
+            <a:endParaRPr lang="en-US" dirty="0">
+              <a:latin typeface="Avenir Medium"/>
+              <a:cs typeface="Avenir Medium"/>
+              <a:hlinkClick r:id="rId2"/>
+            </a:endParaRPr>
           </a:p>
           <a:p>
             <a:pPr marL="82296" indent="0">
@@ -8901,7 +9044,7 @@
                 <a:cs typeface="Avenir Medium"/>
                 <a:hlinkClick r:id="rId2"/>
               </a:rPr>
-              <a:t>https://paulvanderlaken.com/2017/08/10/r-resources-cheatsheets-tutorials-books/</a:t>
+              <a:t>https://education.rstudio.com/learn/beginner/</a:t>
             </a:r>
             <a:endParaRPr lang="en-US" dirty="0">
               <a:latin typeface="Avenir Medium"/>
@@ -8919,15 +9062,23 @@
                 <a:latin typeface="Avenir Medium"/>
                 <a:cs typeface="Avenir Medium"/>
               </a:rPr>
-              <a:t>New to R? Kickstart your learning and career with these 6 steps! </a:t>
-            </a:r>
+              <a:t>R resources (free courses, books, tutorials, &amp; cheat sheets – updated regularly)</a:t>
+            </a:r>
+          </a:p>
+          <a:p>
+            <a:pPr marL="82296" indent="0">
+              <a:lnSpc>
+                <a:spcPct val="110000"/>
+              </a:lnSpc>
+              <a:buNone/>
+            </a:pPr>
             <a:r>
               <a:rPr lang="en-US" dirty="0">
                 <a:latin typeface="Avenir Medium"/>
                 <a:cs typeface="Avenir Medium"/>
                 <a:hlinkClick r:id="rId3"/>
               </a:rPr>
-              <a:t>https://paulvanderlaken.com/2017/10/18/learn-r/</a:t>
+              <a:t>https://paulvanderlaken.com/2017/08/10/r-resources-cheatsheets-tutorials-books/</a:t>
             </a:r>
             <a:endParaRPr lang="en-US" dirty="0">
               <a:latin typeface="Avenir Medium"/>
@@ -8945,7 +9096,7 @@
                 <a:latin typeface="Avenir Medium"/>
                 <a:cs typeface="Avenir Medium"/>
               </a:rPr>
-              <a:t>R Tutorials and Courses </a:t>
+              <a:t>New to R? Kickstart your learning and career with these 6 steps! </a:t>
             </a:r>
             <a:r>
               <a:rPr lang="en-US" dirty="0">
@@ -8953,7 +9104,7 @@
                 <a:cs typeface="Avenir Medium"/>
                 <a:hlinkClick r:id="rId4"/>
               </a:rPr>
-              <a:t>https://hackr.io/tutorials/learn-r</a:t>
+              <a:t>https://paulvanderlaken.com/2017/10/18/learn-r/</a:t>
             </a:r>
             <a:endParaRPr lang="en-US" dirty="0">
               <a:latin typeface="Avenir Medium"/>
@@ -8971,7 +9122,7 @@
                 <a:latin typeface="Avenir Medium"/>
                 <a:cs typeface="Avenir Medium"/>
               </a:rPr>
-              <a:t>What are some good resources for learning R? </a:t>
+              <a:t>R Tutorials and Courses </a:t>
             </a:r>
             <a:r>
               <a:rPr lang="en-US" dirty="0">
@@ -8979,7 +9130,7 @@
                 <a:cs typeface="Avenir Medium"/>
                 <a:hlinkClick r:id="rId5"/>
               </a:rPr>
-              <a:t>https://www.quora.com/What-are-some-good-resources-for-learning-R-1</a:t>
+              <a:t>https://hackr.io/tutorials/learn-r</a:t>
             </a:r>
             <a:endParaRPr lang="en-US" dirty="0">
               <a:latin typeface="Avenir Medium"/>
@@ -8987,10 +9138,11 @@
             </a:endParaRPr>
           </a:p>
           <a:p>
-            <a:pPr>
+            <a:pPr marL="82296" indent="0">
               <a:lnSpc>
                 <a:spcPct val="110000"/>
               </a:lnSpc>
+              <a:buNone/>
             </a:pPr>
             <a:endParaRPr lang="en-US" dirty="0">
               <a:latin typeface="Avenir Medium"/>
@@ -9381,7 +9533,7 @@
                 <a:latin typeface="Avenir Medium"/>
                 <a:cs typeface="Avenir Medium"/>
               </a:rPr>
-              <a:t>Video-tutorials (mostly on YouTube)</a:t>
+              <a:t>Video-tutorials (mostly on YouTube) (2016)</a:t>
             </a:r>
           </a:p>
           <a:p>
@@ -10154,21 +10306,7 @@
                 <a:latin typeface="Avenir Medium"/>
                 <a:cs typeface="Avenir Medium"/>
               </a:rPr>
-              <a:t>Installing R &amp; </a:t>
-            </a:r>
-            <a:r>
-              <a:rPr lang="en-US" dirty="0" err="1">
-                <a:latin typeface="Avenir Medium"/>
-                <a:cs typeface="Avenir Medium"/>
-              </a:rPr>
-              <a:t>RStudio</a:t>
-            </a:r>
-            <a:r>
-              <a:rPr lang="en-US" dirty="0">
-                <a:latin typeface="Avenir Medium"/>
-                <a:cs typeface="Avenir Medium"/>
-              </a:rPr>
-              <a:t> on Windows - 15 min</a:t>
+              <a:t>Installing R and RStudio on Windows 10 (2020-3:20)</a:t>
             </a:r>
           </a:p>
           <a:p>
@@ -10181,47 +10319,7 @@
                 <a:cs typeface="Avenir Medium"/>
                 <a:hlinkClick r:id="rId2"/>
               </a:rPr>
-              <a:t>https://</a:t>
-            </a:r>
-            <a:r>
-              <a:rPr lang="en-US" dirty="0" err="1">
-                <a:latin typeface="Avenir Medium"/>
-                <a:cs typeface="Avenir Medium"/>
-                <a:hlinkClick r:id="rId2"/>
-              </a:rPr>
-              <a:t>www.youtube.com</a:t>
-            </a:r>
-            <a:r>
-              <a:rPr lang="en-US" dirty="0">
-                <a:latin typeface="Avenir Medium"/>
-                <a:cs typeface="Avenir Medium"/>
-                <a:hlinkClick r:id="rId2"/>
-              </a:rPr>
-              <a:t>/</a:t>
-            </a:r>
-            <a:r>
-              <a:rPr lang="en-US" dirty="0" err="1">
-                <a:latin typeface="Avenir Medium"/>
-                <a:cs typeface="Avenir Medium"/>
-                <a:hlinkClick r:id="rId2"/>
-              </a:rPr>
-              <a:t>watch?v</a:t>
-            </a:r>
-            <a:r>
-              <a:rPr lang="en-US" dirty="0">
-                <a:latin typeface="Avenir Medium"/>
-                <a:cs typeface="Avenir Medium"/>
-                <a:hlinkClick r:id="rId2"/>
-              </a:rPr>
-              <a:t>=</a:t>
-            </a:r>
-            <a:r>
-              <a:rPr lang="en-US" dirty="0" err="1">
-                <a:latin typeface="Avenir Medium"/>
-                <a:cs typeface="Avenir Medium"/>
-                <a:hlinkClick r:id="rId2"/>
-              </a:rPr>
-              <a:t>MFfRQuQKGYg</a:t>
+              <a:t>https://www.youtube.com/watch?v=VLWaED9jTiA</a:t>
             </a:r>
             <a:endParaRPr lang="en-US" dirty="0">
               <a:latin typeface="Avenir Medium"/>
@@ -10239,39 +10337,22 @@
           </a:p>
           <a:p>
             <a:r>
-              <a:rPr lang="en-US" dirty="0">
-                <a:latin typeface="Avenir Medium"/>
-                <a:cs typeface="Avenir Medium"/>
-              </a:rPr>
-              <a:t>Install R and </a:t>
-            </a:r>
-            <a:r>
-              <a:rPr lang="en-US" dirty="0" err="1">
-                <a:latin typeface="Avenir Medium"/>
-                <a:cs typeface="Avenir Medium"/>
-              </a:rPr>
-              <a:t>RStudio</a:t>
-            </a:r>
-            <a:r>
-              <a:rPr lang="en-US" dirty="0">
-                <a:latin typeface="Avenir Medium"/>
-                <a:cs typeface="Avenir Medium"/>
-              </a:rPr>
-              <a:t> on Windows 7 (</a:t>
-            </a:r>
-            <a:r>
-              <a:rPr lang="en-US" dirty="0" err="1">
-                <a:latin typeface="Avenir Medium"/>
-                <a:cs typeface="Avenir Medium"/>
-              </a:rPr>
-              <a:t>OpenIntro</a:t>
-            </a:r>
-            <a:r>
-              <a:rPr lang="en-US" dirty="0">
-                <a:latin typeface="Avenir Medium"/>
-                <a:cs typeface="Avenir Medium"/>
-              </a:rPr>
-              <a:t>)</a:t>
+              <a:rPr lang="en-US" sz="3100" dirty="0">
+                <a:latin typeface="Avenir Medium"/>
+              </a:rPr>
+              <a:t>How to install </a:t>
+            </a:r>
+            <a:r>
+              <a:rPr lang="en-US" sz="3100" dirty="0" err="1">
+                <a:latin typeface="Avenir Medium"/>
+              </a:rPr>
+              <a:t>Rstudio</a:t>
+            </a:r>
+            <a:r>
+              <a:rPr lang="en-US" sz="3100" dirty="0">
+                <a:latin typeface="Avenir Medium"/>
+              </a:rPr>
+              <a:t> on Windows 10 (2019-2min)</a:t>
             </a:r>
           </a:p>
           <a:p>
@@ -10284,47 +10365,7 @@
                 <a:cs typeface="Avenir Medium"/>
                 <a:hlinkClick r:id="rId3"/>
               </a:rPr>
-              <a:t>https://</a:t>
-            </a:r>
-            <a:r>
-              <a:rPr lang="en-US" dirty="0" err="1">
-                <a:latin typeface="Avenir Medium"/>
-                <a:cs typeface="Avenir Medium"/>
-                <a:hlinkClick r:id="rId3"/>
-              </a:rPr>
-              <a:t>www.youtube.com</a:t>
-            </a:r>
-            <a:r>
-              <a:rPr lang="en-US" dirty="0">
-                <a:latin typeface="Avenir Medium"/>
-                <a:cs typeface="Avenir Medium"/>
-                <a:hlinkClick r:id="rId3"/>
-              </a:rPr>
-              <a:t>/</a:t>
-            </a:r>
-            <a:r>
-              <a:rPr lang="en-US" dirty="0" err="1">
-                <a:latin typeface="Avenir Medium"/>
-                <a:cs typeface="Avenir Medium"/>
-                <a:hlinkClick r:id="rId3"/>
-              </a:rPr>
-              <a:t>watch?v</a:t>
-            </a:r>
-            <a:r>
-              <a:rPr lang="en-US" dirty="0">
-                <a:latin typeface="Avenir Medium"/>
-                <a:cs typeface="Avenir Medium"/>
-                <a:hlinkClick r:id="rId3"/>
-              </a:rPr>
-              <a:t>=</a:t>
-            </a:r>
-            <a:r>
-              <a:rPr lang="en-US" dirty="0" err="1">
-                <a:latin typeface="Avenir Medium"/>
-                <a:cs typeface="Avenir Medium"/>
-                <a:hlinkClick r:id="rId3"/>
-              </a:rPr>
-              <a:t>eD07NznguA4</a:t>
+              <a:t>https://www.youtube.com/watch?v=9Jo9lJFOf9E</a:t>
             </a:r>
             <a:endParaRPr lang="en-US" dirty="0">
               <a:latin typeface="Avenir Medium"/>
@@ -10346,21 +10387,7 @@
                 <a:latin typeface="Avenir Medium"/>
                 <a:cs typeface="Avenir Medium"/>
               </a:rPr>
-              <a:t>Getting started with R and </a:t>
-            </a:r>
-            <a:r>
-              <a:rPr lang="en-US" dirty="0" err="1">
-                <a:latin typeface="Avenir Medium"/>
-                <a:cs typeface="Avenir Medium"/>
-              </a:rPr>
-              <a:t>RStudio</a:t>
-            </a:r>
-            <a:r>
-              <a:rPr lang="en-US" dirty="0">
-                <a:latin typeface="Avenir Medium"/>
-                <a:cs typeface="Avenir Medium"/>
-              </a:rPr>
-              <a:t> (on Mac) - download, installation</a:t>
+              <a:t>How to install R and install R Studio. How to use R studio | R programming for beginners (2019 – 7:36)</a:t>
             </a:r>
           </a:p>
           <a:p>
@@ -10373,47 +10400,7 @@
                 <a:cs typeface="Avenir Medium"/>
                 <a:hlinkClick r:id="rId4"/>
               </a:rPr>
-              <a:t>https://</a:t>
-            </a:r>
-            <a:r>
-              <a:rPr lang="en-US" dirty="0" err="1">
-                <a:latin typeface="Avenir Medium"/>
-                <a:cs typeface="Avenir Medium"/>
-                <a:hlinkClick r:id="rId4"/>
-              </a:rPr>
-              <a:t>www.youtube.com</a:t>
-            </a:r>
-            <a:r>
-              <a:rPr lang="en-US" dirty="0">
-                <a:latin typeface="Avenir Medium"/>
-                <a:cs typeface="Avenir Medium"/>
-                <a:hlinkClick r:id="rId4"/>
-              </a:rPr>
-              <a:t>/</a:t>
-            </a:r>
-            <a:r>
-              <a:rPr lang="en-US" dirty="0" err="1">
-                <a:latin typeface="Avenir Medium"/>
-                <a:cs typeface="Avenir Medium"/>
-                <a:hlinkClick r:id="rId4"/>
-              </a:rPr>
-              <a:t>watch?v</a:t>
-            </a:r>
-            <a:r>
-              <a:rPr lang="en-US" dirty="0">
-                <a:latin typeface="Avenir Medium"/>
-                <a:cs typeface="Avenir Medium"/>
-                <a:hlinkClick r:id="rId4"/>
-              </a:rPr>
-              <a:t>=</a:t>
-            </a:r>
-            <a:r>
-              <a:rPr lang="en-US" dirty="0" err="1">
-                <a:latin typeface="Avenir Medium"/>
-                <a:cs typeface="Avenir Medium"/>
-                <a:hlinkClick r:id="rId4"/>
-              </a:rPr>
-              <a:t>lVKMsaWju8w</a:t>
+              <a:t>https://www.youtube.com/watch?v=orjLGFmx6l4</a:t>
             </a:r>
             <a:endParaRPr lang="en-US" dirty="0">
               <a:latin typeface="Avenir Medium"/>
@@ -10421,6 +10408,9 @@
             </a:endParaRPr>
           </a:p>
           <a:p>
+            <a:pPr marL="82296" indent="0">
+              <a:buNone/>
+            </a:pPr>
             <a:endParaRPr lang="en-US" dirty="0">
               <a:latin typeface="Avenir Medium"/>
               <a:cs typeface="Avenir Medium"/>
@@ -10432,21 +10422,7 @@
                 <a:latin typeface="Avenir Medium"/>
                 <a:cs typeface="Avenir Medium"/>
               </a:rPr>
-              <a:t>Programming in R - Getting Started - Installing R and </a:t>
-            </a:r>
-            <a:r>
-              <a:rPr lang="en-US" dirty="0" err="1">
-                <a:latin typeface="Avenir Medium"/>
-                <a:cs typeface="Avenir Medium"/>
-              </a:rPr>
-              <a:t>RStudio</a:t>
-            </a:r>
-            <a:r>
-              <a:rPr lang="en-US" dirty="0">
-                <a:latin typeface="Avenir Medium"/>
-                <a:cs typeface="Avenir Medium"/>
-              </a:rPr>
-              <a:t> on a Mac</a:t>
+              <a:t>How to Download and Install R and R Studio (Best Version - 2020) </a:t>
             </a:r>
           </a:p>
           <a:p>
@@ -10459,48 +10435,17 @@
                 <a:cs typeface="Avenir Medium"/>
                 <a:hlinkClick r:id="rId5"/>
               </a:rPr>
-              <a:t>https://</a:t>
-            </a:r>
-            <a:r>
-              <a:rPr lang="en-US" dirty="0" err="1">
-                <a:latin typeface="Avenir Medium"/>
-                <a:cs typeface="Avenir Medium"/>
-                <a:hlinkClick r:id="rId5"/>
-              </a:rPr>
-              <a:t>www.youtube.com</a:t>
-            </a:r>
-            <a:r>
-              <a:rPr lang="en-US" dirty="0">
-                <a:latin typeface="Avenir Medium"/>
-                <a:cs typeface="Avenir Medium"/>
-                <a:hlinkClick r:id="rId5"/>
-              </a:rPr>
-              <a:t>/</a:t>
-            </a:r>
-            <a:r>
-              <a:rPr lang="en-US" dirty="0" err="1">
-                <a:latin typeface="Avenir Medium"/>
-                <a:cs typeface="Avenir Medium"/>
-                <a:hlinkClick r:id="rId5"/>
-              </a:rPr>
-              <a:t>watch?v</a:t>
-            </a:r>
-            <a:r>
-              <a:rPr lang="en-US" dirty="0">
-                <a:latin typeface="Avenir Medium"/>
-                <a:cs typeface="Avenir Medium"/>
-                <a:hlinkClick r:id="rId5"/>
-              </a:rPr>
-              <a:t>=</a:t>
-            </a:r>
-            <a:r>
-              <a:rPr lang="en-US" dirty="0" err="1">
-                <a:latin typeface="Avenir Medium"/>
-                <a:cs typeface="Avenir Medium"/>
-                <a:hlinkClick r:id="rId5"/>
-              </a:rPr>
-              <a:t>Ywj6yNfc5nM</a:t>
-            </a:r>
+              <a:t>https://www.youtube.com/watch?v=by5HyJX6H1I</a:t>
+            </a:r>
+            <a:endParaRPr lang="en-US" dirty="0">
+              <a:latin typeface="Avenir Medium"/>
+              <a:cs typeface="Avenir Medium"/>
+            </a:endParaRPr>
+          </a:p>
+          <a:p>
+            <a:pPr marL="82296" indent="0">
+              <a:buNone/>
+            </a:pPr>
             <a:endParaRPr lang="en-US" dirty="0">
               <a:latin typeface="Avenir Medium"/>
               <a:cs typeface="Avenir Medium"/>
